--- a/group/Kaggle_2_Presentation.pptx
+++ b/group/Kaggle_2_Presentation.pptx
@@ -135,6 +135,10 @@
 </p:presentation>
 </file>
 
+<file path=ppt/revisionInfo.xml><?xml version="1.0" encoding="utf-8"?>
+<p1510:revInfo xmlns:a="http://schemas.openxmlformats.org/drawingml/2006/main" xmlns:r="http://schemas.openxmlformats.org/officeDocument/2006/relationships" xmlns:p1510="http://schemas.microsoft.com/office/powerpoint/2015/10/main"/>
+</file>
+
 <file path=ppt/slideLayouts/slideLayout1.xml><?xml version="1.0" encoding="utf-8"?>
 <p:sldLayout xmlns:a="http://schemas.openxmlformats.org/drawingml/2006/main" xmlns:r="http://schemas.openxmlformats.org/officeDocument/2006/relationships" xmlns:p="http://schemas.openxmlformats.org/presentationml/2006/main" type="title" preserve="1">
   <p:cSld name="Title Slide">
@@ -314,7 +318,7 @@
           <a:p>
             <a:fld id="{DCA21465-D64A-493A-BEE6-1F3984CFB5EB}" type="datetimeFigureOut">
               <a:rPr lang="en-US" smtClean="0"/>
-              <a:t>6/13/18</a:t>
+              <a:t>6/14/2018</a:t>
             </a:fld>
             <a:endParaRPr lang="en-US"/>
           </a:p>
@@ -477,7 +481,7 @@
           <a:p>
             <a:fld id="{DCA21465-D64A-493A-BEE6-1F3984CFB5EB}" type="datetimeFigureOut">
               <a:rPr lang="en-US" smtClean="0"/>
-              <a:t>6/13/18</a:t>
+              <a:t>6/14/2018</a:t>
             </a:fld>
             <a:endParaRPr lang="en-US"/>
           </a:p>
@@ -650,7 +654,7 @@
           <a:p>
             <a:fld id="{DCA21465-D64A-493A-BEE6-1F3984CFB5EB}" type="datetimeFigureOut">
               <a:rPr lang="en-US" smtClean="0"/>
-              <a:t>6/13/18</a:t>
+              <a:t>6/14/2018</a:t>
             </a:fld>
             <a:endParaRPr lang="en-US"/>
           </a:p>
@@ -813,7 +817,7 @@
           <a:p>
             <a:fld id="{DCA21465-D64A-493A-BEE6-1F3984CFB5EB}" type="datetimeFigureOut">
               <a:rPr lang="en-US" smtClean="0"/>
-              <a:t>6/13/18</a:t>
+              <a:t>6/14/2018</a:t>
             </a:fld>
             <a:endParaRPr lang="en-US"/>
           </a:p>
@@ -1053,7 +1057,7 @@
           <a:p>
             <a:fld id="{DCA21465-D64A-493A-BEE6-1F3984CFB5EB}" type="datetimeFigureOut">
               <a:rPr lang="en-US" smtClean="0"/>
-              <a:t>6/13/18</a:t>
+              <a:t>6/14/2018</a:t>
             </a:fld>
             <a:endParaRPr lang="en-US"/>
           </a:p>
@@ -1333,7 +1337,7 @@
           <a:p>
             <a:fld id="{DCA21465-D64A-493A-BEE6-1F3984CFB5EB}" type="datetimeFigureOut">
               <a:rPr lang="en-US" smtClean="0"/>
-              <a:t>6/13/18</a:t>
+              <a:t>6/14/2018</a:t>
             </a:fld>
             <a:endParaRPr lang="en-US"/>
           </a:p>
@@ -1747,7 +1751,7 @@
           <a:p>
             <a:fld id="{DCA21465-D64A-493A-BEE6-1F3984CFB5EB}" type="datetimeFigureOut">
               <a:rPr lang="en-US" smtClean="0"/>
-              <a:t>6/13/18</a:t>
+              <a:t>6/14/2018</a:t>
             </a:fld>
             <a:endParaRPr lang="en-US"/>
           </a:p>
@@ -1859,7 +1863,7 @@
           <a:p>
             <a:fld id="{DCA21465-D64A-493A-BEE6-1F3984CFB5EB}" type="datetimeFigureOut">
               <a:rPr lang="en-US" smtClean="0"/>
-              <a:t>6/13/18</a:t>
+              <a:t>6/14/2018</a:t>
             </a:fld>
             <a:endParaRPr lang="en-US"/>
           </a:p>
@@ -1949,7 +1953,7 @@
           <a:p>
             <a:fld id="{DCA21465-D64A-493A-BEE6-1F3984CFB5EB}" type="datetimeFigureOut">
               <a:rPr lang="en-US" smtClean="0"/>
-              <a:t>6/13/18</a:t>
+              <a:t>6/14/2018</a:t>
             </a:fld>
             <a:endParaRPr lang="en-US"/>
           </a:p>
@@ -2219,7 +2223,7 @@
           <a:p>
             <a:fld id="{DCA21465-D64A-493A-BEE6-1F3984CFB5EB}" type="datetimeFigureOut">
               <a:rPr lang="en-US" smtClean="0"/>
-              <a:t>6/13/18</a:t>
+              <a:t>6/14/2018</a:t>
             </a:fld>
             <a:endParaRPr lang="en-US"/>
           </a:p>
@@ -2466,7 +2470,7 @@
           <a:p>
             <a:fld id="{DCA21465-D64A-493A-BEE6-1F3984CFB5EB}" type="datetimeFigureOut">
               <a:rPr lang="en-US" smtClean="0"/>
-              <a:t>6/13/18</a:t>
+              <a:t>6/14/2018</a:t>
             </a:fld>
             <a:endParaRPr lang="en-US"/>
           </a:p>
@@ -2672,7 +2676,7 @@
           <a:p>
             <a:fld id="{DCA21465-D64A-493A-BEE6-1F3984CFB5EB}" type="datetimeFigureOut">
               <a:rPr lang="en-US" smtClean="0"/>
-              <a:t>6/13/18</a:t>
+              <a:t>6/14/2018</a:t>
             </a:fld>
             <a:endParaRPr lang="en-US"/>
           </a:p>
@@ -3410,7 +3414,15 @@
           <a:p>
             <a:r>
               <a:rPr lang="en-US" dirty="0"/>
-              <a:t>Able to reduce the training time per epoch from 8 hours to 1.5 hours via optimizations and reducing the data stored in memory</a:t>
+              <a:t>Able to reduce the training time per epoch </a:t>
+            </a:r>
+            <a:r>
+              <a:rPr lang="en-US"/>
+              <a:t>from 4 </a:t>
+            </a:r>
+            <a:r>
+              <a:rPr lang="en-US" dirty="0"/>
+              <a:t>hours to 1.5 hours via optimizations and reducing the data stored in memory</a:t>
             </a:r>
           </a:p>
           <a:p>
